--- a/07_Locator/07_Locator.pptx
+++ b/07_Locator/07_Locator.pptx
@@ -399,6 +399,11 @@
         </p:txBody>
       </p:sp>
     </p:spTree>
+    <p:extLst>
+      <p:ext uri="{BB962C8B-B14F-4D97-AF65-F5344CB8AC3E}">
+        <p14:creationId xmlns:p14="http://schemas.microsoft.com/office/powerpoint/2010/main" val="1705391385"/>
+      </p:ext>
+    </p:extLst>
   </p:cSld>
   <p:clrMap bg1="lt1" tx1="dk1" bg2="lt2" tx2="dk2" accent1="accent1" accent2="accent2" accent3="accent3" accent4="accent4" accent5="accent5" accent6="accent6" hlink="hlink" folHlink="folHlink"/>
 </p:handoutMaster>
@@ -721,6 +726,11 @@
         </p:txBody>
       </p:sp>
     </p:spTree>
+    <p:extLst>
+      <p:ext uri="{BB962C8B-B14F-4D97-AF65-F5344CB8AC3E}">
+        <p14:creationId xmlns:p14="http://schemas.microsoft.com/office/powerpoint/2010/main" val="3308276479"/>
+      </p:ext>
+    </p:extLst>
   </p:cSld>
   <p:clrMap bg1="lt1" tx1="dk1" bg2="lt2" tx2="dk2" accent1="accent1" accent2="accent2" accent3="accent3" accent4="accent4" accent5="accent5" accent6="accent6" hlink="hlink" folHlink="folHlink"/>
   <p:notesStyle>
@@ -8514,7 +8524,23 @@
                   <a:srgbClr val="595959"/>
                 </a:solidFill>
               </a:rPr>
-              <a:t>© 2009 Autodesk </a:t>
+              <a:t>© </a:t>
+            </a:r>
+            <a:r>
+              <a:rPr lang="en-US" sz="800" dirty="0" smtClean="0">
+                <a:solidFill>
+                  <a:srgbClr val="595959"/>
+                </a:solidFill>
+              </a:rPr>
+              <a:t>2012 </a:t>
+            </a:r>
+            <a:r>
+              <a:rPr lang="en-US" sz="800" dirty="0">
+                <a:solidFill>
+                  <a:srgbClr val="595959"/>
+                </a:solidFill>
+              </a:rPr>
+              <a:t>Autodesk </a:t>
             </a:r>
           </a:p>
         </p:txBody>
@@ -24147,7 +24173,6 @@
               <a:rPr lang="en-US" dirty="0" smtClean="0"/>
               <a:t>Example: helixTool.py</a:t>
             </a:r>
-            <a:endParaRPr lang="en-US" dirty="0" smtClean="0"/>
           </a:p>
         </p:txBody>
       </p:sp>
@@ -24626,13 +24651,8 @@
           <a:p>
             <a:r>
               <a:rPr lang="en-US" dirty="0" smtClean="0"/>
-              <a:t>Example: </a:t>
-            </a:r>
-            <a:r>
-              <a:rPr lang="en-US" dirty="0" smtClean="0"/>
-              <a:t>helixTool.py</a:t>
-            </a:r>
-            <a:endParaRPr lang="en-US" dirty="0" smtClean="0"/>
+              <a:t>Example: helixTool.py</a:t>
+            </a:r>
           </a:p>
         </p:txBody>
       </p:sp>
@@ -25603,7 +25623,6 @@
               <a:rPr lang="en-US" dirty="0" smtClean="0"/>
               <a:t>Example: helixTool.py</a:t>
             </a:r>
-            <a:endParaRPr lang="en-US" dirty="0" smtClean="0"/>
           </a:p>
         </p:txBody>
       </p:sp>
@@ -26463,7 +26482,6 @@
               <a:rPr lang="en-US" dirty="0" smtClean="0"/>
               <a:t>Example: helixTool.py</a:t>
             </a:r>
-            <a:endParaRPr lang="en-US" dirty="0" smtClean="0"/>
           </a:p>
         </p:txBody>
       </p:sp>
@@ -28262,7 +28280,6 @@
               <a:rPr lang="en-US" dirty="0" smtClean="0"/>
               <a:t>Example: helixTool.py</a:t>
             </a:r>
-            <a:endParaRPr lang="en-US" dirty="0" smtClean="0"/>
           </a:p>
         </p:txBody>
       </p:sp>

--- a/07_Locator/07_Locator.pptx
+++ b/07_Locator/07_Locator.pptx
@@ -146,7 +146,7 @@
   </p:defaultTextStyle>
   <p:extLst>
     <p:ext uri="{EFAFB233-063F-42B5-8137-9DF3F51BA10A}">
-      <p15:sldGuideLst xmlns:p15="http://schemas.microsoft.com/office/powerpoint/2012/main">
+      <p15:sldGuideLst xmlns:p15="http://schemas.microsoft.com/office/powerpoint/2012/main" xmlns="">
         <p15:guide id="1" orient="horz" pos="2160">
           <p15:clr>
             <a:srgbClr val="A4A3A4"/>
@@ -345,7 +345,7 @@
             <a:fld id="{1D8BD707-D9CF-40AE-B4C6-C98DA3205C09}" type="datetimeFigureOut">
               <a:rPr lang="en-US" smtClean="0"/>
               <a:pPr/>
-              <a:t>3/18/2013</a:t>
+              <a:t>9/12/2013</a:t>
             </a:fld>
             <a:endParaRPr lang="en-US"/>
           </a:p>
@@ -512,7 +512,7 @@
             <a:fld id="{1D8BD707-D9CF-40AE-B4C6-C98DA3205C09}" type="datetimeFigureOut">
               <a:rPr lang="en-US" smtClean="0"/>
               <a:pPr/>
-              <a:t>3/18/2013</a:t>
+              <a:t>9/12/2013</a:t>
             </a:fld>
             <a:endParaRPr lang="en-US"/>
           </a:p>
@@ -689,7 +689,7 @@
             <a:fld id="{1D8BD707-D9CF-40AE-B4C6-C98DA3205C09}" type="datetimeFigureOut">
               <a:rPr lang="en-US" smtClean="0"/>
               <a:pPr/>
-              <a:t>3/18/2013</a:t>
+              <a:t>9/12/2013</a:t>
             </a:fld>
             <a:endParaRPr lang="en-US"/>
           </a:p>
@@ -856,7 +856,7 @@
             <a:fld id="{1D8BD707-D9CF-40AE-B4C6-C98DA3205C09}" type="datetimeFigureOut">
               <a:rPr lang="en-US" smtClean="0"/>
               <a:pPr/>
-              <a:t>3/18/2013</a:t>
+              <a:t>9/12/2013</a:t>
             </a:fld>
             <a:endParaRPr lang="en-US"/>
           </a:p>
@@ -1099,7 +1099,7 @@
             <a:fld id="{1D8BD707-D9CF-40AE-B4C6-C98DA3205C09}" type="datetimeFigureOut">
               <a:rPr lang="en-US" smtClean="0"/>
               <a:pPr/>
-              <a:t>3/18/2013</a:t>
+              <a:t>9/12/2013</a:t>
             </a:fld>
             <a:endParaRPr lang="en-US"/>
           </a:p>
@@ -1384,7 +1384,7 @@
             <a:fld id="{1D8BD707-D9CF-40AE-B4C6-C98DA3205C09}" type="datetimeFigureOut">
               <a:rPr lang="en-US" smtClean="0"/>
               <a:pPr/>
-              <a:t>3/18/2013</a:t>
+              <a:t>9/12/2013</a:t>
             </a:fld>
             <a:endParaRPr lang="en-US"/>
           </a:p>
@@ -1803,7 +1803,7 @@
             <a:fld id="{1D8BD707-D9CF-40AE-B4C6-C98DA3205C09}" type="datetimeFigureOut">
               <a:rPr lang="en-US" smtClean="0"/>
               <a:pPr/>
-              <a:t>3/18/2013</a:t>
+              <a:t>9/12/2013</a:t>
             </a:fld>
             <a:endParaRPr lang="en-US"/>
           </a:p>
@@ -1918,7 +1918,7 @@
             <a:fld id="{1D8BD707-D9CF-40AE-B4C6-C98DA3205C09}" type="datetimeFigureOut">
               <a:rPr lang="en-US" smtClean="0"/>
               <a:pPr/>
-              <a:t>3/18/2013</a:t>
+              <a:t>9/12/2013</a:t>
             </a:fld>
             <a:endParaRPr lang="en-US"/>
           </a:p>
@@ -2010,7 +2010,7 @@
             <a:fld id="{1D8BD707-D9CF-40AE-B4C6-C98DA3205C09}" type="datetimeFigureOut">
               <a:rPr lang="en-US" smtClean="0"/>
               <a:pPr/>
-              <a:t>3/18/2013</a:t>
+              <a:t>9/12/2013</a:t>
             </a:fld>
             <a:endParaRPr lang="en-US"/>
           </a:p>
@@ -2284,7 +2284,7 @@
             <a:fld id="{1D8BD707-D9CF-40AE-B4C6-C98DA3205C09}" type="datetimeFigureOut">
               <a:rPr lang="en-US" smtClean="0"/>
               <a:pPr/>
-              <a:t>3/18/2013</a:t>
+              <a:t>9/12/2013</a:t>
             </a:fld>
             <a:endParaRPr lang="en-US"/>
           </a:p>
@@ -2534,7 +2534,7 @@
             <a:fld id="{1D8BD707-D9CF-40AE-B4C6-C98DA3205C09}" type="datetimeFigureOut">
               <a:rPr lang="en-US" smtClean="0"/>
               <a:pPr/>
-              <a:t>3/18/2013</a:t>
+              <a:t>9/12/2013</a:t>
             </a:fld>
             <a:endParaRPr lang="en-US"/>
           </a:p>
@@ -2744,7 +2744,7 @@
             <a:fld id="{1D8BD707-D9CF-40AE-B4C6-C98DA3205C09}" type="datetimeFigureOut">
               <a:rPr lang="en-US" smtClean="0"/>
               <a:pPr/>
-              <a:t>3/18/2013</a:t>
+              <a:t>9/12/2013</a:t>
             </a:fld>
             <a:endParaRPr lang="en-US"/>
           </a:p>
@@ -15474,7 +15474,7 @@
         <p:spPr>
           <a:xfrm>
             <a:off x="317500" y="698500"/>
-            <a:ext cx="7747000" cy="5308600"/>
+            <a:ext cx="7250383" cy="5355312"/>
           </a:xfrm>
           <a:prstGeom prst="rect">
             <a:avLst/>
@@ -15771,7 +15771,37 @@
                 <a:latin typeface="Times New Roman" pitchFamily="18" charset="0"/>
                 <a:cs typeface="Times New Roman" pitchFamily="18" charset="0"/>
               </a:rPr>
-              <a:t>MPxContext::toolOffCleanup(Mevent</a:t>
+              <a:t>MPxContext::</a:t>
+            </a:r>
+            <a:r>
+              <a:rPr lang="en-US" altLang="zh-CN" sz="2004" dirty="0" err="1" smtClean="0">
+                <a:solidFill>
+                  <a:srgbClr val="FFFFFF"/>
+                </a:solidFill>
+                <a:latin typeface="Times New Roman" pitchFamily="18" charset="0"/>
+                <a:cs typeface="Times New Roman" pitchFamily="18" charset="0"/>
+              </a:rPr>
+              <a:t>toolOffCleanup</a:t>
+            </a:r>
+            <a:r>
+              <a:rPr lang="en-US" altLang="zh-CN" sz="2004" dirty="0" smtClean="0">
+                <a:solidFill>
+                  <a:srgbClr val="FFFFFF"/>
+                </a:solidFill>
+                <a:latin typeface="Times New Roman" pitchFamily="18" charset="0"/>
+                <a:cs typeface="Times New Roman" pitchFamily="18" charset="0"/>
+              </a:rPr>
+              <a:t>(</a:t>
+            </a:r>
+            <a:r>
+              <a:rPr lang="en-US" altLang="zh-CN" sz="2004" dirty="0" err="1" smtClean="0">
+                <a:solidFill>
+                  <a:srgbClr val="FFFFFF"/>
+                </a:solidFill>
+                <a:latin typeface="Times New Roman" pitchFamily="18" charset="0"/>
+                <a:cs typeface="Times New Roman" pitchFamily="18" charset="0"/>
+              </a:rPr>
+              <a:t>MEvent</a:t>
             </a:r>
             <a:r>
               <a:rPr lang="en-US" altLang="zh-CN" sz="2004" dirty="0" smtClean="0">
@@ -17345,7 +17375,7 @@
         <p:spPr>
           <a:xfrm>
             <a:off x="317500" y="698500"/>
-            <a:ext cx="7226300" cy="5257800"/>
+            <a:ext cx="6857647" cy="5304016"/>
           </a:xfrm>
           <a:prstGeom prst="rect">
             <a:avLst/>
@@ -17511,14 +17541,14 @@
               <a:t> </a:t>
             </a:r>
             <a:r>
-              <a:rPr lang="en-US" altLang="zh-CN" sz="2006" dirty="0" smtClean="0">
-                <a:solidFill>
-                  <a:srgbClr val="FFFFFF"/>
-                </a:solidFill>
-                <a:latin typeface="Times New Roman" pitchFamily="18" charset="0"/>
-                <a:cs typeface="Times New Roman" pitchFamily="18" charset="0"/>
-              </a:rPr>
-              <a:t>Mstatus</a:t>
+              <a:rPr lang="en-US" altLang="zh-CN" sz="2006" dirty="0" err="1" smtClean="0">
+                <a:solidFill>
+                  <a:srgbClr val="FFFFFF"/>
+                </a:solidFill>
+                <a:latin typeface="Times New Roman" pitchFamily="18" charset="0"/>
+                <a:cs typeface="Times New Roman" pitchFamily="18" charset="0"/>
+              </a:rPr>
+              <a:t>MStatus</a:t>
             </a:r>
             <a:r>
               <a:rPr lang="en-US" altLang="zh-CN" sz="2006" dirty="0" smtClean="0">
@@ -17611,6 +17641,33 @@
               <a:t> </a:t>
             </a:r>
             <a:r>
+              <a:rPr lang="en-US" altLang="zh-CN" sz="2006" dirty="0" err="1">
+                <a:solidFill>
+                  <a:srgbClr val="FFFFFF"/>
+                </a:solidFill>
+                <a:latin typeface="Times New Roman" pitchFamily="18" charset="0"/>
+                <a:cs typeface="Times New Roman" pitchFamily="18" charset="0"/>
+              </a:rPr>
+              <a:t>MStatus</a:t>
+            </a:r>
+            <a:r>
+              <a:rPr lang="en-US" altLang="zh-CN" sz="2006" dirty="0">
+                <a:latin typeface="Times New Roman" pitchFamily="18" charset="0"/>
+                <a:cs typeface="Times New Roman" pitchFamily="18" charset="0"/>
+              </a:rPr>
+              <a:t> </a:t>
+            </a:r>
+            <a:r>
+              <a:rPr lang="en-US" altLang="zh-CN" sz="2004" dirty="0" err="1" smtClean="0">
+                <a:solidFill>
+                  <a:srgbClr val="FFFFFF"/>
+                </a:solidFill>
+                <a:latin typeface="Times New Roman" pitchFamily="18" charset="0"/>
+                <a:cs typeface="Times New Roman" pitchFamily="18" charset="0"/>
+              </a:rPr>
+              <a:t>MPxContext</a:t>
+            </a:r>
+            <a:r>
               <a:rPr lang="en-US" altLang="zh-CN" sz="2004" dirty="0" smtClean="0">
                 <a:solidFill>
                   <a:srgbClr val="FFFFFF"/>
@@ -17618,24 +17675,7 @@
                 <a:latin typeface="Times New Roman" pitchFamily="18" charset="0"/>
                 <a:cs typeface="Times New Roman" pitchFamily="18" charset="0"/>
               </a:rPr>
-              <a:t>Mstatus</a:t>
-            </a:r>
-            <a:r>
-              <a:rPr lang="en-US" altLang="zh-CN" sz="2004" dirty="0" smtClean="0">
-                <a:latin typeface="Times New Roman" pitchFamily="18" charset="0"/>
-                <a:cs typeface="Times New Roman" pitchFamily="18" charset="0"/>
-              </a:rPr>
-              <a:t> </a:t>
-            </a:r>
-            <a:r>
-              <a:rPr lang="en-US" altLang="zh-CN" sz="2004" dirty="0" smtClean="0">
-                <a:solidFill>
-                  <a:srgbClr val="FFFFFF"/>
-                </a:solidFill>
-                <a:latin typeface="Times New Roman" pitchFamily="18" charset="0"/>
-                <a:cs typeface="Times New Roman" pitchFamily="18" charset="0"/>
-              </a:rPr>
-              <a:t>MPxContext::doRelease</a:t>
+              <a:t>::doRelease</a:t>
             </a:r>
             <a:r>
               <a:rPr lang="en-US" altLang="zh-CN" sz="2004" dirty="0" smtClean="0">
@@ -17711,6 +17751,33 @@
               <a:t> </a:t>
             </a:r>
             <a:r>
+              <a:rPr lang="en-US" altLang="zh-CN" sz="2006" dirty="0" err="1">
+                <a:solidFill>
+                  <a:srgbClr val="FFFFFF"/>
+                </a:solidFill>
+                <a:latin typeface="Times New Roman" pitchFamily="18" charset="0"/>
+                <a:cs typeface="Times New Roman" pitchFamily="18" charset="0"/>
+              </a:rPr>
+              <a:t>MStatus</a:t>
+            </a:r>
+            <a:r>
+              <a:rPr lang="en-US" altLang="zh-CN" sz="2006" dirty="0">
+                <a:latin typeface="Times New Roman" pitchFamily="18" charset="0"/>
+                <a:cs typeface="Times New Roman" pitchFamily="18" charset="0"/>
+              </a:rPr>
+              <a:t> </a:t>
+            </a:r>
+            <a:r>
+              <a:rPr lang="en-US" altLang="zh-CN" sz="2004" dirty="0" err="1" smtClean="0">
+                <a:solidFill>
+                  <a:srgbClr val="FFFFFF"/>
+                </a:solidFill>
+                <a:latin typeface="Times New Roman" pitchFamily="18" charset="0"/>
+                <a:cs typeface="Times New Roman" pitchFamily="18" charset="0"/>
+              </a:rPr>
+              <a:t>MPxContext</a:t>
+            </a:r>
+            <a:r>
               <a:rPr lang="en-US" altLang="zh-CN" sz="2004" dirty="0" smtClean="0">
                 <a:solidFill>
                   <a:srgbClr val="FFFFFF"/>
@@ -17718,24 +17785,7 @@
                 <a:latin typeface="Times New Roman" pitchFamily="18" charset="0"/>
                 <a:cs typeface="Times New Roman" pitchFamily="18" charset="0"/>
               </a:rPr>
-              <a:t>Mstatus</a:t>
-            </a:r>
-            <a:r>
-              <a:rPr lang="en-US" altLang="zh-CN" sz="2004" dirty="0" smtClean="0">
-                <a:latin typeface="Times New Roman" pitchFamily="18" charset="0"/>
-                <a:cs typeface="Times New Roman" pitchFamily="18" charset="0"/>
-              </a:rPr>
-              <a:t> </a:t>
-            </a:r>
-            <a:r>
-              <a:rPr lang="en-US" altLang="zh-CN" sz="2004" dirty="0" smtClean="0">
-                <a:solidFill>
-                  <a:srgbClr val="FFFFFF"/>
-                </a:solidFill>
-                <a:latin typeface="Times New Roman" pitchFamily="18" charset="0"/>
-                <a:cs typeface="Times New Roman" pitchFamily="18" charset="0"/>
-              </a:rPr>
-              <a:t>MPxContext::doDrag(MEvent</a:t>
+              <a:t>::doDrag(MEvent</a:t>
             </a:r>
             <a:r>
               <a:rPr lang="en-US" altLang="zh-CN" sz="2004" dirty="0" smtClean="0">
@@ -17794,6 +17844,33 @@
               <a:t> </a:t>
             </a:r>
             <a:r>
+              <a:rPr lang="en-US" altLang="zh-CN" sz="2006" dirty="0" err="1">
+                <a:solidFill>
+                  <a:srgbClr val="FFFFFF"/>
+                </a:solidFill>
+                <a:latin typeface="Times New Roman" pitchFamily="18" charset="0"/>
+                <a:cs typeface="Times New Roman" pitchFamily="18" charset="0"/>
+              </a:rPr>
+              <a:t>MStatus</a:t>
+            </a:r>
+            <a:r>
+              <a:rPr lang="en-US" altLang="zh-CN" sz="2006" dirty="0">
+                <a:latin typeface="Times New Roman" pitchFamily="18" charset="0"/>
+                <a:cs typeface="Times New Roman" pitchFamily="18" charset="0"/>
+              </a:rPr>
+              <a:t> </a:t>
+            </a:r>
+            <a:r>
+              <a:rPr lang="en-US" altLang="zh-CN" sz="2006" dirty="0" err="1" smtClean="0">
+                <a:solidFill>
+                  <a:srgbClr val="FFFFFF"/>
+                </a:solidFill>
+                <a:latin typeface="Times New Roman" pitchFamily="18" charset="0"/>
+                <a:cs typeface="Times New Roman" pitchFamily="18" charset="0"/>
+              </a:rPr>
+              <a:t>MPxContext</a:t>
+            </a:r>
+            <a:r>
               <a:rPr lang="en-US" altLang="zh-CN" sz="2006" dirty="0" smtClean="0">
                 <a:solidFill>
                   <a:srgbClr val="FFFFFF"/>
@@ -17801,24 +17878,7 @@
                 <a:latin typeface="Times New Roman" pitchFamily="18" charset="0"/>
                 <a:cs typeface="Times New Roman" pitchFamily="18" charset="0"/>
               </a:rPr>
-              <a:t>Mstatus</a:t>
-            </a:r>
-            <a:r>
-              <a:rPr lang="en-US" altLang="zh-CN" sz="2006" dirty="0" smtClean="0">
-                <a:latin typeface="Times New Roman" pitchFamily="18" charset="0"/>
-                <a:cs typeface="Times New Roman" pitchFamily="18" charset="0"/>
-              </a:rPr>
-              <a:t> </a:t>
-            </a:r>
-            <a:r>
-              <a:rPr lang="en-US" altLang="zh-CN" sz="2006" dirty="0" smtClean="0">
-                <a:solidFill>
-                  <a:srgbClr val="FFFFFF"/>
-                </a:solidFill>
-                <a:latin typeface="Times New Roman" pitchFamily="18" charset="0"/>
-                <a:cs typeface="Times New Roman" pitchFamily="18" charset="0"/>
-              </a:rPr>
-              <a:t>MPxContext::doHold(MEvent</a:t>
+              <a:t>::doHold(MEvent</a:t>
             </a:r>
             <a:r>
               <a:rPr lang="en-US" altLang="zh-CN" sz="2006" dirty="0" smtClean="0">
@@ -17877,6 +17937,33 @@
               <a:t> </a:t>
             </a:r>
             <a:r>
+              <a:rPr lang="en-US" altLang="zh-CN" sz="2006" dirty="0" err="1">
+                <a:solidFill>
+                  <a:srgbClr val="FFFFFF"/>
+                </a:solidFill>
+                <a:latin typeface="Times New Roman" pitchFamily="18" charset="0"/>
+                <a:cs typeface="Times New Roman" pitchFamily="18" charset="0"/>
+              </a:rPr>
+              <a:t>MStatus</a:t>
+            </a:r>
+            <a:r>
+              <a:rPr lang="en-US" altLang="zh-CN" sz="2006" dirty="0">
+                <a:latin typeface="Times New Roman" pitchFamily="18" charset="0"/>
+                <a:cs typeface="Times New Roman" pitchFamily="18" charset="0"/>
+              </a:rPr>
+              <a:t> </a:t>
+            </a:r>
+            <a:r>
+              <a:rPr lang="en-US" altLang="zh-CN" sz="2004" dirty="0" err="1" smtClean="0">
+                <a:solidFill>
+                  <a:srgbClr val="FFFFFF"/>
+                </a:solidFill>
+                <a:latin typeface="Times New Roman" pitchFamily="18" charset="0"/>
+                <a:cs typeface="Times New Roman" pitchFamily="18" charset="0"/>
+              </a:rPr>
+              <a:t>MPxContext</a:t>
+            </a:r>
+            <a:r>
               <a:rPr lang="en-US" altLang="zh-CN" sz="2004" dirty="0" smtClean="0">
                 <a:solidFill>
                   <a:srgbClr val="FFFFFF"/>
@@ -17884,24 +17971,7 @@
                 <a:latin typeface="Times New Roman" pitchFamily="18" charset="0"/>
                 <a:cs typeface="Times New Roman" pitchFamily="18" charset="0"/>
               </a:rPr>
-              <a:t>Mstatus</a:t>
-            </a:r>
-            <a:r>
-              <a:rPr lang="en-US" altLang="zh-CN" sz="2004" dirty="0" smtClean="0">
-                <a:latin typeface="Times New Roman" pitchFamily="18" charset="0"/>
-                <a:cs typeface="Times New Roman" pitchFamily="18" charset="0"/>
-              </a:rPr>
-              <a:t> </a:t>
-            </a:r>
-            <a:r>
-              <a:rPr lang="en-US" altLang="zh-CN" sz="2004" dirty="0" smtClean="0">
-                <a:solidFill>
-                  <a:srgbClr val="FFFFFF"/>
-                </a:solidFill>
-                <a:latin typeface="Times New Roman" pitchFamily="18" charset="0"/>
-                <a:cs typeface="Times New Roman" pitchFamily="18" charset="0"/>
-              </a:rPr>
-              <a:t>MPxContext::doEnterRegion</a:t>
+              <a:t>::doEnterRegion</a:t>
             </a:r>
             <a:r>
               <a:rPr lang="en-US" altLang="zh-CN" sz="2004" dirty="0" smtClean="0">
@@ -19348,7 +19418,7 @@
         <p:spPr>
           <a:xfrm>
             <a:off x="317500" y="673100"/>
-            <a:ext cx="7442200" cy="4584700"/>
+            <a:ext cx="7017947" cy="4624343"/>
           </a:xfrm>
           <a:prstGeom prst="rect">
             <a:avLst/>
@@ -19444,7 +19514,7 @@
               <a:t> </a:t>
             </a:r>
             <a:r>
-              <a:rPr lang="en-US" altLang="zh-CN" sz="2400" dirty="0" smtClean="0">
+              <a:rPr lang="en-US" altLang="zh-CN" sz="2400" dirty="0" err="1" smtClean="0">
                 <a:solidFill>
                   <a:srgbClr val="FFFFFF"/>
                 </a:solidFill>
@@ -19461,48 +19531,31 @@
               <a:t> </a:t>
             </a:r>
             <a:r>
-              <a:rPr lang="en-US" altLang="zh-CN" sz="2400" dirty="0" smtClean="0">
-                <a:solidFill>
-                  <a:srgbClr val="FFFFFF"/>
-                </a:solidFill>
-                <a:latin typeface="Times New Roman" pitchFamily="18" charset="0"/>
-                <a:cs typeface="Times New Roman" pitchFamily="18" charset="0"/>
-              </a:rPr>
-              <a:t>Mcursor</a:t>
-            </a:r>
-            <a:r>
-              <a:rPr lang="en-US" altLang="zh-CN" sz="2400" dirty="0" smtClean="0">
-                <a:latin typeface="Times New Roman" pitchFamily="18" charset="0"/>
-                <a:cs typeface="Times New Roman" pitchFamily="18" charset="0"/>
-              </a:rPr>
-              <a:t> </a:t>
-            </a:r>
-            <a:r>
-              <a:rPr lang="en-US" altLang="zh-CN" sz="2400" dirty="0" smtClean="0">
-                <a:solidFill>
-                  <a:srgbClr val="FFFFFF"/>
-                </a:solidFill>
-                <a:latin typeface="Times New Roman" pitchFamily="18" charset="0"/>
-                <a:cs typeface="Times New Roman" pitchFamily="18" charset="0"/>
-              </a:rPr>
-              <a:t>&amp;</a:t>
-            </a:r>
-            <a:r>
-              <a:rPr lang="en-US" altLang="zh-CN" sz="2400" dirty="0" smtClean="0">
-                <a:latin typeface="Times New Roman" pitchFamily="18" charset="0"/>
-                <a:cs typeface="Times New Roman" pitchFamily="18" charset="0"/>
-              </a:rPr>
-              <a:t>  </a:t>
-            </a:r>
-            <a:r>
-              <a:rPr lang="en-US" altLang="zh-CN" sz="2400" dirty="0" smtClean="0">
-                <a:solidFill>
-                  <a:srgbClr val="FFFFFF"/>
-                </a:solidFill>
-                <a:latin typeface="Times New Roman" pitchFamily="18" charset="0"/>
-                <a:cs typeface="Times New Roman" pitchFamily="18" charset="0"/>
-              </a:rPr>
-              <a:t>newCursor</a:t>
+              <a:rPr lang="en-US" altLang="zh-CN" sz="2400" dirty="0" err="1" smtClean="0">
+                <a:solidFill>
+                  <a:srgbClr val="FFFFFF"/>
+                </a:solidFill>
+                <a:latin typeface="Times New Roman" pitchFamily="18" charset="0"/>
+                <a:cs typeface="Times New Roman" pitchFamily="18" charset="0"/>
+              </a:rPr>
+              <a:t>MCursor</a:t>
+            </a:r>
+            <a:r>
+              <a:rPr lang="en-US" altLang="zh-CN" sz="2400" smtClean="0">
+                <a:latin typeface="Times New Roman" pitchFamily="18" charset="0"/>
+                <a:cs typeface="Times New Roman" pitchFamily="18" charset="0"/>
+              </a:rPr>
+              <a:t> </a:t>
+            </a:r>
+            <a:r>
+              <a:rPr lang="en-US" altLang="zh-CN" sz="2400" smtClean="0">
+                <a:solidFill>
+                  <a:srgbClr val="FFFFFF"/>
+                </a:solidFill>
+                <a:latin typeface="Times New Roman" pitchFamily="18" charset="0"/>
+                <a:cs typeface="Times New Roman" pitchFamily="18" charset="0"/>
+              </a:rPr>
+              <a:t>&amp;newCursor</a:t>
             </a:r>
             <a:r>
               <a:rPr lang="en-US" altLang="zh-CN" sz="2400" dirty="0" smtClean="0">
@@ -46347,7 +46400,7 @@
         <p:spPr>
           <a:xfrm>
             <a:off x="1003300" y="2057400"/>
-            <a:ext cx="1816100" cy="1117600"/>
+            <a:ext cx="1721625" cy="1174681"/>
           </a:xfrm>
           <a:prstGeom prst="rect">
             <a:avLst/>
@@ -46393,6 +46446,26 @@
               <a:tabLst/>
             </a:pPr>
             <a:r>
+              <a:rPr lang="en-US" altLang="zh-CN" sz="2195" dirty="0" err="1">
+                <a:solidFill>
+                  <a:srgbClr val="FFFFFF"/>
+                </a:solidFill>
+                <a:latin typeface="Times New Roman" pitchFamily="18" charset="0"/>
+                <a:cs typeface="Times New Roman" pitchFamily="18" charset="0"/>
+              </a:rPr>
+              <a:t>i</a:t>
+            </a:r>
+            <a:r>
+              <a:rPr lang="en-US" altLang="zh-CN" sz="2195" dirty="0" err="1" smtClean="0">
+                <a:solidFill>
+                  <a:srgbClr val="FFFFFF"/>
+                </a:solidFill>
+                <a:latin typeface="Times New Roman" pitchFamily="18" charset="0"/>
+                <a:cs typeface="Times New Roman" pitchFamily="18" charset="0"/>
+              </a:rPr>
+              <a:t>sBounded</a:t>
+            </a:r>
+            <a:r>
               <a:rPr lang="en-US" altLang="zh-CN" sz="2195" dirty="0" smtClean="0">
                 <a:solidFill>
                   <a:srgbClr val="FFFFFF"/>
@@ -46400,7 +46473,7 @@
                 <a:latin typeface="Times New Roman" pitchFamily="18" charset="0"/>
                 <a:cs typeface="Times New Roman" pitchFamily="18" charset="0"/>
               </a:rPr>
-              <a:t>IsBounded()</a:t>
+              <a:t>()</a:t>
             </a:r>
           </a:p>
           <a:p>
@@ -47768,7 +47841,7 @@
         <p:spPr>
           <a:xfrm>
             <a:off x="317500" y="4699000"/>
-            <a:ext cx="7835900" cy="1651000"/>
+            <a:ext cx="7173246" cy="1687641"/>
           </a:xfrm>
           <a:prstGeom prst="rect">
             <a:avLst/>
@@ -47877,24 +47950,7 @@
             <a:r>
               <a:rPr lang="en-US" altLang="zh-CN" sz="2400" dirty="0" smtClean="0">
                 <a:solidFill>
-                  <a:srgbClr val="FFFFFF"/>
-                </a:solidFill>
-                <a:latin typeface="Times New Roman" pitchFamily="18" charset="0"/>
-                <a:cs typeface="Times New Roman" pitchFamily="18" charset="0"/>
-              </a:rPr>
-              <a:t>in</a:t>
-            </a:r>
-            <a:r>
-              <a:rPr lang="en-US" altLang="zh-CN" sz="2400" dirty="0" smtClean="0">
-                <a:latin typeface="Times New Roman" pitchFamily="18" charset="0"/>
-                <a:cs typeface="Times New Roman" pitchFamily="18" charset="0"/>
-              </a:rPr>
-              <a:t> </a:t>
-            </a:r>
-            <a:r>
-              <a:rPr lang="en-US" altLang="zh-CN" sz="2400" dirty="0" smtClean="0">
-                <a:solidFill>
-                  <a:srgbClr val="FFFFFF"/>
+                  <a:schemeClr val="bg1"/>
                 </a:solidFill>
                 <a:latin typeface="Times New Roman" pitchFamily="18" charset="0"/>
                 <a:cs typeface="Times New Roman" pitchFamily="18" charset="0"/>
@@ -47902,28 +47958,34 @@
               <a:t>exactly</a:t>
             </a:r>
             <a:r>
-              <a:rPr lang="en-US" altLang="zh-CN" sz="2400" dirty="0" smtClean="0">
-                <a:latin typeface="Times New Roman" pitchFamily="18" charset="0"/>
-                <a:cs typeface="Times New Roman" pitchFamily="18" charset="0"/>
-              </a:rPr>
-              <a:t> </a:t>
-            </a:r>
-            <a:r>
-              <a:rPr lang="en-US" altLang="zh-CN" sz="2400" dirty="0" smtClean="0">
-                <a:solidFill>
-                  <a:srgbClr val="FFFFFF"/>
-                </a:solidFill>
-                <a:latin typeface="Times New Roman" pitchFamily="18" charset="0"/>
-                <a:cs typeface="Times New Roman" pitchFamily="18" charset="0"/>
-              </a:rPr>
-              <a:t>the</a:t>
-            </a:r>
-            <a:r>
-              <a:rPr lang="en-US" altLang="zh-CN" sz="2400" dirty="0" smtClean="0">
-                <a:latin typeface="Times New Roman" pitchFamily="18" charset="0"/>
-                <a:cs typeface="Times New Roman" pitchFamily="18" charset="0"/>
-              </a:rPr>
-              <a:t> </a:t>
+              <a:rPr lang="en-US" altLang="zh-CN" sz="2400" dirty="0">
+                <a:solidFill>
+                  <a:schemeClr val="bg1"/>
+                </a:solidFill>
+                <a:latin typeface="Times New Roman" pitchFamily="18" charset="0"/>
+                <a:cs typeface="Times New Roman" pitchFamily="18" charset="0"/>
+              </a:rPr>
+              <a:t> </a:t>
+            </a:r>
+            <a:r>
+              <a:rPr lang="en-US" altLang="zh-CN" sz="2400" dirty="0" smtClean="0">
+                <a:solidFill>
+                  <a:schemeClr val="bg1"/>
+                </a:solidFill>
+                <a:latin typeface="Times New Roman" pitchFamily="18" charset="0"/>
+                <a:cs typeface="Times New Roman" pitchFamily="18" charset="0"/>
+              </a:rPr>
+              <a:t>in </a:t>
+            </a:r>
+            <a:r>
+              <a:rPr lang="en-US" altLang="zh-CN" sz="2400" dirty="0" smtClean="0">
+                <a:solidFill>
+                  <a:schemeClr val="bg1"/>
+                </a:solidFill>
+                <a:latin typeface="Times New Roman" pitchFamily="18" charset="0"/>
+                <a:cs typeface="Times New Roman" pitchFamily="18" charset="0"/>
+              </a:rPr>
+              <a:t>the </a:t>
             </a:r>
             <a:r>
               <a:rPr lang="en-US" altLang="zh-CN" sz="2400" dirty="0" smtClean="0">
@@ -48059,24 +48121,7 @@
                 <a:latin typeface="Times New Roman" pitchFamily="18" charset="0"/>
                 <a:cs typeface="Times New Roman" pitchFamily="18" charset="0"/>
               </a:rPr>
-              <a:t>is</a:t>
-            </a:r>
-            <a:r>
-              <a:rPr lang="en-US" altLang="zh-CN" sz="2400" dirty="0" smtClean="0">
-                <a:latin typeface="Times New Roman" pitchFamily="18" charset="0"/>
-                <a:cs typeface="Times New Roman" pitchFamily="18" charset="0"/>
-              </a:rPr>
-              <a:t> </a:t>
-            </a:r>
-            <a:r>
-              <a:rPr lang="en-US" altLang="zh-CN" sz="2400" dirty="0" smtClean="0">
-                <a:solidFill>
-                  <a:srgbClr val="FFFFFF"/>
-                </a:solidFill>
-                <a:latin typeface="Times New Roman" pitchFamily="18" charset="0"/>
-                <a:cs typeface="Times New Roman" pitchFamily="18" charset="0"/>
-              </a:rPr>
-              <a:t>called.</a:t>
+              <a:t>call.</a:t>
             </a:r>
             <a:r>
               <a:rPr lang="en-US" altLang="zh-CN" sz="2400" dirty="0" smtClean="0">
